--- a/architecture.pptx
+++ b/architecture.pptx
@@ -2964,6 +2964,425 @@
           <a:chExt cx="0" cy="0"/>
         </a:xfrm>
       </p:grpSpPr>
+      <p:grpSp>
+        <p:nvGrpSpPr>
+          <p:cNvPr id="49" name="Group 23"/>
+          <p:cNvGrpSpPr/>
+          <p:nvPr/>
+        </p:nvGrpSpPr>
+        <p:grpSpPr>
+          <a:xfrm>
+            <a:off x="5404232" y="3990884"/>
+            <a:ext cx="3062247" cy="2031393"/>
+            <a:chOff x="6750050" y="2843213"/>
+            <a:chExt cx="1752600" cy="1735137"/>
+          </a:xfrm>
+        </p:grpSpPr>
+        <p:sp>
+          <p:nvSpPr>
+            <p:cNvPr id="50" name="Rounded Rectangle 24"/>
+            <p:cNvSpPr/>
+            <p:nvPr/>
+          </p:nvSpPr>
+          <p:spPr>
+            <a:xfrm>
+              <a:off x="6750050" y="2843213"/>
+              <a:ext cx="1752600" cy="1735137"/>
+            </a:xfrm>
+            <a:prstGeom prst="roundRect">
+              <a:avLst>
+                <a:gd name="adj" fmla="val 9818"/>
+              </a:avLst>
+            </a:prstGeom>
+            <a:solidFill>
+              <a:srgbClr val="DBDBDB"/>
+            </a:solidFill>
+            <a:ln w="6350">
+              <a:noFill/>
+              <a:prstDash val="solid"/>
+            </a:ln>
+            <a:effectLst/>
+          </p:spPr>
+          <p:style>
+            <a:lnRef idx="1">
+              <a:schemeClr val="accent1"/>
+            </a:lnRef>
+            <a:fillRef idx="3">
+              <a:schemeClr val="accent1"/>
+            </a:fillRef>
+            <a:effectRef idx="2">
+              <a:schemeClr val="accent1"/>
+            </a:effectRef>
+            <a:fontRef idx="minor">
+              <a:schemeClr val="lt1"/>
+            </a:fontRef>
+          </p:style>
+          <p:txBody>
+            <a:bodyPr anchor="ctr"/>
+            <a:lstStyle/>
+            <a:p>
+              <a:pPr algn="ctr" fontAlgn="auto">
+                <a:spcBef>
+                  <a:spcPts val="0"/>
+                </a:spcBef>
+                <a:spcAft>
+                  <a:spcPts val="0"/>
+                </a:spcAft>
+                <a:defRPr/>
+              </a:pPr>
+              <a:endParaRPr lang="en-US" dirty="0">
+                <a:solidFill>
+                  <a:schemeClr val="tx1"/>
+                </a:solidFill>
+                <a:latin typeface="Helvetica Neue"/>
+                <a:cs typeface="Helvetica Neue"/>
+              </a:endParaRPr>
+            </a:p>
+          </p:txBody>
+        </p:sp>
+        <p:sp>
+          <p:nvSpPr>
+            <p:cNvPr id="51" name="TextBox 25"/>
+            <p:cNvSpPr txBox="1"/>
+            <p:nvPr/>
+          </p:nvSpPr>
+          <p:spPr>
+            <a:xfrm>
+              <a:off x="6838950" y="4306888"/>
+              <a:ext cx="1555750" cy="197168"/>
+            </a:xfrm>
+            <a:prstGeom prst="rect">
+              <a:avLst/>
+            </a:prstGeom>
+            <a:noFill/>
+          </p:spPr>
+          <p:txBody>
+            <a:bodyPr>
+              <a:spAutoFit/>
+            </a:bodyPr>
+            <a:lstStyle/>
+            <a:p>
+              <a:pPr algn="ctr" fontAlgn="auto">
+                <a:spcBef>
+                  <a:spcPts val="0"/>
+                </a:spcBef>
+                <a:spcAft>
+                  <a:spcPts val="0"/>
+                </a:spcAft>
+                <a:defRPr/>
+              </a:pPr>
+              <a:r>
+                <a:rPr lang="en-US" sz="900" b="1" dirty="0" smtClean="0">
+                  <a:solidFill>
+                    <a:schemeClr val="bg1">
+                      <a:lumMod val="50000"/>
+                    </a:schemeClr>
+                  </a:solidFill>
+                  <a:latin typeface="Helvetica Neue"/>
+                  <a:cs typeface="Helvetica Neue"/>
+                </a:rPr>
+                <a:t>Frontend</a:t>
+              </a:r>
+              <a:endParaRPr lang="en-US" sz="900" b="1" dirty="0">
+                <a:solidFill>
+                  <a:schemeClr val="bg1">
+                    <a:lumMod val="50000"/>
+                  </a:schemeClr>
+                </a:solidFill>
+                <a:latin typeface="Helvetica Neue"/>
+                <a:cs typeface="Helvetica Neue"/>
+              </a:endParaRPr>
+            </a:p>
+          </p:txBody>
+        </p:sp>
+      </p:grpSp>
+      <p:grpSp>
+        <p:nvGrpSpPr>
+          <p:cNvPr id="43" name="Group 23"/>
+          <p:cNvGrpSpPr/>
+          <p:nvPr/>
+        </p:nvGrpSpPr>
+        <p:grpSpPr>
+          <a:xfrm>
+            <a:off x="4231978" y="2240369"/>
+            <a:ext cx="1046845" cy="3781907"/>
+            <a:chOff x="6750050" y="2843213"/>
+            <a:chExt cx="1752600" cy="1735137"/>
+          </a:xfrm>
+        </p:grpSpPr>
+        <p:sp>
+          <p:nvSpPr>
+            <p:cNvPr id="44" name="Rounded Rectangle 24"/>
+            <p:cNvSpPr/>
+            <p:nvPr/>
+          </p:nvSpPr>
+          <p:spPr>
+            <a:xfrm>
+              <a:off x="6750050" y="2843213"/>
+              <a:ext cx="1752600" cy="1735137"/>
+            </a:xfrm>
+            <a:prstGeom prst="roundRect">
+              <a:avLst>
+                <a:gd name="adj" fmla="val 9818"/>
+              </a:avLst>
+            </a:prstGeom>
+            <a:solidFill>
+              <a:srgbClr val="DBDBDB"/>
+            </a:solidFill>
+            <a:ln w="6350">
+              <a:noFill/>
+              <a:prstDash val="solid"/>
+            </a:ln>
+            <a:effectLst/>
+          </p:spPr>
+          <p:style>
+            <a:lnRef idx="1">
+              <a:schemeClr val="accent1"/>
+            </a:lnRef>
+            <a:fillRef idx="3">
+              <a:schemeClr val="accent1"/>
+            </a:fillRef>
+            <a:effectRef idx="2">
+              <a:schemeClr val="accent1"/>
+            </a:effectRef>
+            <a:fontRef idx="minor">
+              <a:schemeClr val="lt1"/>
+            </a:fontRef>
+          </p:style>
+          <p:txBody>
+            <a:bodyPr anchor="ctr"/>
+            <a:lstStyle/>
+            <a:p>
+              <a:pPr algn="ctr" fontAlgn="auto">
+                <a:spcBef>
+                  <a:spcPts val="0"/>
+                </a:spcBef>
+                <a:spcAft>
+                  <a:spcPts val="0"/>
+                </a:spcAft>
+                <a:defRPr/>
+              </a:pPr>
+              <a:endParaRPr lang="en-US" dirty="0">
+                <a:solidFill>
+                  <a:schemeClr val="tx1"/>
+                </a:solidFill>
+                <a:latin typeface="Helvetica Neue"/>
+                <a:cs typeface="Helvetica Neue"/>
+              </a:endParaRPr>
+            </a:p>
+          </p:txBody>
+        </p:sp>
+        <p:sp>
+          <p:nvSpPr>
+            <p:cNvPr id="45" name="TextBox 25"/>
+            <p:cNvSpPr txBox="1"/>
+            <p:nvPr/>
+          </p:nvSpPr>
+          <p:spPr>
+            <a:xfrm>
+              <a:off x="6838950" y="4306888"/>
+              <a:ext cx="1555751" cy="169449"/>
+            </a:xfrm>
+            <a:prstGeom prst="rect">
+              <a:avLst/>
+            </a:prstGeom>
+            <a:noFill/>
+          </p:spPr>
+          <p:txBody>
+            <a:bodyPr>
+              <a:spAutoFit/>
+            </a:bodyPr>
+            <a:lstStyle/>
+            <a:p>
+              <a:pPr algn="ctr" fontAlgn="auto">
+                <a:spcBef>
+                  <a:spcPts val="0"/>
+                </a:spcBef>
+                <a:spcAft>
+                  <a:spcPts val="0"/>
+                </a:spcAft>
+                <a:defRPr/>
+              </a:pPr>
+              <a:r>
+                <a:rPr lang="en-US" sz="900" b="1" dirty="0" smtClean="0">
+                  <a:solidFill>
+                    <a:schemeClr val="bg1">
+                      <a:lumMod val="50000"/>
+                    </a:schemeClr>
+                  </a:solidFill>
+                  <a:latin typeface="Helvetica Neue"/>
+                  <a:cs typeface="Helvetica Neue"/>
+                </a:rPr>
+                <a:t>Backend/</a:t>
+              </a:r>
+            </a:p>
+            <a:p>
+              <a:pPr algn="ctr" fontAlgn="auto">
+                <a:spcBef>
+                  <a:spcPts val="0"/>
+                </a:spcBef>
+                <a:spcAft>
+                  <a:spcPts val="0"/>
+                </a:spcAft>
+                <a:defRPr/>
+              </a:pPr>
+              <a:r>
+                <a:rPr lang="en-US" sz="900" b="1" dirty="0" smtClean="0">
+                  <a:solidFill>
+                    <a:schemeClr val="bg1">
+                      <a:lumMod val="50000"/>
+                    </a:schemeClr>
+                  </a:solidFill>
+                  <a:latin typeface="Helvetica Neue"/>
+                  <a:cs typeface="Helvetica Neue"/>
+                </a:rPr>
+                <a:t>Built Pipeline</a:t>
+              </a:r>
+              <a:endParaRPr lang="en-US" sz="900" b="1" dirty="0">
+                <a:solidFill>
+                  <a:schemeClr val="bg1">
+                    <a:lumMod val="50000"/>
+                  </a:schemeClr>
+                </a:solidFill>
+                <a:latin typeface="Helvetica Neue"/>
+                <a:cs typeface="Helvetica Neue"/>
+              </a:endParaRPr>
+            </a:p>
+          </p:txBody>
+        </p:sp>
+      </p:grpSp>
+      <p:grpSp>
+        <p:nvGrpSpPr>
+          <p:cNvPr id="40" name="Group 23"/>
+          <p:cNvGrpSpPr/>
+          <p:nvPr/>
+        </p:nvGrpSpPr>
+        <p:grpSpPr>
+          <a:xfrm>
+            <a:off x="1110443" y="2231648"/>
+            <a:ext cx="3062247" cy="2031391"/>
+            <a:chOff x="6750050" y="2843213"/>
+            <a:chExt cx="1752600" cy="1735137"/>
+          </a:xfrm>
+        </p:grpSpPr>
+        <p:sp>
+          <p:nvSpPr>
+            <p:cNvPr id="41" name="Rounded Rectangle 24"/>
+            <p:cNvSpPr/>
+            <p:nvPr/>
+          </p:nvSpPr>
+          <p:spPr>
+            <a:xfrm>
+              <a:off x="6750050" y="2843213"/>
+              <a:ext cx="1752600" cy="1735137"/>
+            </a:xfrm>
+            <a:prstGeom prst="roundRect">
+              <a:avLst>
+                <a:gd name="adj" fmla="val 9818"/>
+              </a:avLst>
+            </a:prstGeom>
+            <a:solidFill>
+              <a:srgbClr val="DBDBDB"/>
+            </a:solidFill>
+            <a:ln w="6350">
+              <a:noFill/>
+              <a:prstDash val="solid"/>
+            </a:ln>
+            <a:effectLst/>
+          </p:spPr>
+          <p:style>
+            <a:lnRef idx="1">
+              <a:schemeClr val="accent1"/>
+            </a:lnRef>
+            <a:fillRef idx="3">
+              <a:schemeClr val="accent1"/>
+            </a:fillRef>
+            <a:effectRef idx="2">
+              <a:schemeClr val="accent1"/>
+            </a:effectRef>
+            <a:fontRef idx="minor">
+              <a:schemeClr val="lt1"/>
+            </a:fontRef>
+          </p:style>
+          <p:txBody>
+            <a:bodyPr anchor="ctr"/>
+            <a:lstStyle/>
+            <a:p>
+              <a:pPr algn="ctr" fontAlgn="auto">
+                <a:spcBef>
+                  <a:spcPts val="0"/>
+                </a:spcBef>
+                <a:spcAft>
+                  <a:spcPts val="0"/>
+                </a:spcAft>
+                <a:defRPr/>
+              </a:pPr>
+              <a:endParaRPr lang="en-US" dirty="0">
+                <a:solidFill>
+                  <a:schemeClr val="tx1"/>
+                </a:solidFill>
+                <a:latin typeface="Helvetica Neue"/>
+                <a:cs typeface="Helvetica Neue"/>
+              </a:endParaRPr>
+            </a:p>
+          </p:txBody>
+        </p:sp>
+        <p:sp>
+          <p:nvSpPr>
+            <p:cNvPr id="42" name="TextBox 25"/>
+            <p:cNvSpPr txBox="1"/>
+            <p:nvPr/>
+          </p:nvSpPr>
+          <p:spPr>
+            <a:xfrm>
+              <a:off x="6838950" y="4306888"/>
+              <a:ext cx="1555750" cy="230187"/>
+            </a:xfrm>
+            <a:prstGeom prst="rect">
+              <a:avLst/>
+            </a:prstGeom>
+            <a:noFill/>
+          </p:spPr>
+          <p:txBody>
+            <a:bodyPr>
+              <a:spAutoFit/>
+            </a:bodyPr>
+            <a:lstStyle/>
+            <a:p>
+              <a:pPr algn="ctr" fontAlgn="auto">
+                <a:spcBef>
+                  <a:spcPts val="0"/>
+                </a:spcBef>
+                <a:spcAft>
+                  <a:spcPts val="0"/>
+                </a:spcAft>
+                <a:defRPr/>
+              </a:pPr>
+              <a:r>
+                <a:rPr lang="en-US" sz="900" b="1" dirty="0" smtClean="0">
+                  <a:solidFill>
+                    <a:schemeClr val="bg1">
+                      <a:lumMod val="50000"/>
+                    </a:schemeClr>
+                  </a:solidFill>
+                  <a:latin typeface="Helvetica Neue"/>
+                  <a:cs typeface="Helvetica Neue"/>
+                </a:rPr>
+                <a:t>API</a:t>
+              </a:r>
+              <a:endParaRPr lang="en-US" sz="900" b="1" dirty="0">
+                <a:solidFill>
+                  <a:schemeClr val="bg1">
+                    <a:lumMod val="50000"/>
+                  </a:schemeClr>
+                </a:solidFill>
+                <a:latin typeface="Helvetica Neue"/>
+                <a:cs typeface="Helvetica Neue"/>
+              </a:endParaRPr>
+            </a:p>
+          </p:txBody>
+        </p:sp>
+      </p:grpSp>
       <p:sp>
         <p:nvSpPr>
           <p:cNvPr id="4" name="TextBox 159"/>
@@ -3124,7 +3543,7 @@
         </p:nvSpPr>
         <p:spPr>
           <a:xfrm>
-            <a:off x="4289370" y="2725488"/>
+            <a:off x="4428384" y="2725488"/>
             <a:ext cx="643781" cy="276999"/>
           </a:xfrm>
           <a:prstGeom prst="rect">
@@ -3169,7 +3588,7 @@
         </p:blipFill>
         <p:spPr>
           <a:xfrm>
-            <a:off x="4407212" y="3010081"/>
+            <a:off x="4546226" y="3010081"/>
             <a:ext cx="408095" cy="489715"/>
           </a:xfrm>
           <a:prstGeom prst="rect">
@@ -3342,7 +3761,7 @@
         </p:nvGrpSpPr>
         <p:grpSpPr>
           <a:xfrm>
-            <a:off x="4289370" y="4392115"/>
+            <a:off x="4414574" y="4411166"/>
             <a:ext cx="653738" cy="941332"/>
             <a:chOff x="5843706" y="822171"/>
             <a:chExt cx="653738" cy="941332"/>
@@ -3373,7 +3792,11 @@
               <a:pPr algn="ctr"/>
               <a:r>
                 <a:rPr lang="en-US" sz="1000" b="1" dirty="0" smtClean="0"/>
-                <a:t>Elastic Beanstalk</a:t>
+                <a:t>Elastic </a:t>
+              </a:r>
+              <a:r>
+                <a:rPr lang="en-US" sz="1000" b="1" dirty="0" smtClean="0"/>
+                <a:t>Beanstalk</a:t>
               </a:r>
               <a:endParaRPr lang="en-US" b="1" dirty="0"/>
             </a:p>
@@ -3500,7 +3923,7 @@
         <p:spPr>
           <a:xfrm>
             <a:off x="3975336" y="3247345"/>
-            <a:ext cx="431876" cy="7594"/>
+            <a:ext cx="570890" cy="7594"/>
           </a:xfrm>
           <a:prstGeom prst="straightConnector1">
             <a:avLst/>
@@ -3537,9 +3960,9 @@
           <p:nvPr/>
         </p:nvCxnSpPr>
         <p:spPr>
-          <a:xfrm>
-            <a:off x="4943108" y="5006578"/>
-            <a:ext cx="669984" cy="0"/>
+          <a:xfrm flipV="1">
+            <a:off x="5068312" y="5006578"/>
+            <a:ext cx="544780" cy="19051"/>
           </a:xfrm>
           <a:prstGeom prst="straightConnector1">
             <a:avLst/>
@@ -3615,9 +4038,9 @@
           <p:nvPr/>
         </p:nvCxnSpPr>
         <p:spPr>
-          <a:xfrm flipH="1" flipV="1">
-            <a:off x="4611260" y="3499796"/>
-            <a:ext cx="4980" cy="892319"/>
+          <a:xfrm flipV="1">
+            <a:off x="4741444" y="3499796"/>
+            <a:ext cx="8830" cy="911370"/>
           </a:xfrm>
           <a:prstGeom prst="straightConnector1">
             <a:avLst/>

--- a/architecture.pptx
+++ b/architecture.pptx
@@ -2972,8 +2972,8 @@
         </p:nvGrpSpPr>
         <p:grpSpPr>
           <a:xfrm>
-            <a:off x="5404232" y="3990884"/>
-            <a:ext cx="3062247" cy="2031393"/>
+            <a:off x="5632833" y="3228884"/>
+            <a:ext cx="2190368" cy="2031393"/>
             <a:chOff x="6750050" y="2843213"/>
             <a:chExt cx="1752600" cy="1735137"/>
           </a:xfrm>
@@ -3104,7 +3104,7 @@
         </p:nvGrpSpPr>
         <p:grpSpPr>
           <a:xfrm>
-            <a:off x="4231978" y="2240369"/>
+            <a:off x="4460578" y="1478369"/>
             <a:ext cx="1046845" cy="3781907"/>
             <a:chOff x="6750050" y="2843213"/>
             <a:chExt cx="1752600" cy="1735137"/>
@@ -3259,8 +3259,8 @@
         </p:nvGrpSpPr>
         <p:grpSpPr>
           <a:xfrm>
-            <a:off x="1110443" y="2231648"/>
-            <a:ext cx="3062247" cy="2031391"/>
+            <a:off x="2398505" y="1469648"/>
+            <a:ext cx="2002785" cy="2031391"/>
             <a:chOff x="6750050" y="2843213"/>
             <a:chExt cx="1752600" cy="1735137"/>
           </a:xfrm>
@@ -3391,7 +3391,7 @@
         </p:nvSpPr>
         <p:spPr>
           <a:xfrm>
-            <a:off x="2491583" y="2725488"/>
+            <a:off x="2720183" y="1963488"/>
             <a:ext cx="643781" cy="276999"/>
           </a:xfrm>
           <a:prstGeom prst="rect">
@@ -3436,7 +3436,7 @@
         </p:blipFill>
         <p:spPr>
           <a:xfrm>
-            <a:off x="2609425" y="3010081"/>
+            <a:off x="2838025" y="2248081"/>
             <a:ext cx="408095" cy="489715"/>
           </a:xfrm>
           <a:prstGeom prst="rect">
@@ -3466,7 +3466,7 @@
         </p:blipFill>
         <p:spPr>
           <a:xfrm>
-            <a:off x="1358348" y="3002487"/>
+            <a:off x="1586948" y="2240487"/>
             <a:ext cx="497309" cy="497309"/>
           </a:xfrm>
           <a:prstGeom prst="rect">
@@ -3482,7 +3482,7 @@
         </p:nvSpPr>
         <p:spPr>
           <a:xfrm>
-            <a:off x="3456199" y="2717894"/>
+            <a:off x="3684799" y="1955894"/>
             <a:ext cx="643781" cy="276999"/>
           </a:xfrm>
           <a:prstGeom prst="rect">
@@ -3527,7 +3527,7 @@
         </p:blipFill>
         <p:spPr>
           <a:xfrm>
-            <a:off x="3567240" y="3002487"/>
+            <a:off x="3795840" y="2240487"/>
             <a:ext cx="408096" cy="489715"/>
           </a:xfrm>
           <a:prstGeom prst="rect">
@@ -3543,7 +3543,7 @@
         </p:nvSpPr>
         <p:spPr>
           <a:xfrm>
-            <a:off x="4428384" y="2725488"/>
+            <a:off x="4656984" y="1963488"/>
             <a:ext cx="643781" cy="276999"/>
           </a:xfrm>
           <a:prstGeom prst="rect">
@@ -3588,7 +3588,7 @@
         </p:blipFill>
         <p:spPr>
           <a:xfrm>
-            <a:off x="4546226" y="3010081"/>
+            <a:off x="4774826" y="2248081"/>
             <a:ext cx="408095" cy="489715"/>
           </a:xfrm>
           <a:prstGeom prst="rect">
@@ -3604,7 +3604,7 @@
         </p:nvSpPr>
         <p:spPr>
           <a:xfrm>
-            <a:off x="1285111" y="2717894"/>
+            <a:off x="1513711" y="1955894"/>
             <a:ext cx="643781" cy="276999"/>
           </a:xfrm>
           <a:prstGeom prst="rect">
@@ -3639,7 +3639,7 @@
         </p:nvSpPr>
         <p:spPr>
           <a:xfrm>
-            <a:off x="5549956" y="4411166"/>
+            <a:off x="5778556" y="3649166"/>
             <a:ext cx="643781" cy="155632"/>
           </a:xfrm>
           <a:prstGeom prst="rect">
@@ -3684,7 +3684,7 @@
         </p:blipFill>
         <p:spPr>
           <a:xfrm>
-            <a:off x="5613092" y="4745690"/>
+            <a:off x="5841692" y="3983690"/>
             <a:ext cx="503783" cy="521775"/>
           </a:xfrm>
           <a:prstGeom prst="rect">
@@ -3700,7 +3700,7 @@
         </p:nvSpPr>
         <p:spPr>
           <a:xfrm>
-            <a:off x="6286061" y="4449266"/>
+            <a:off x="6514661" y="3687266"/>
             <a:ext cx="1214494" cy="155448"/>
           </a:xfrm>
           <a:prstGeom prst="rect">
@@ -3745,7 +3745,7 @@
         </p:blipFill>
         <p:spPr>
           <a:xfrm>
-            <a:off x="6620918" y="4679710"/>
+            <a:off x="6849518" y="3917710"/>
             <a:ext cx="544780" cy="653737"/>
           </a:xfrm>
           <a:prstGeom prst="rect">
@@ -3761,7 +3761,7 @@
         </p:nvGrpSpPr>
         <p:grpSpPr>
           <a:xfrm>
-            <a:off x="4414574" y="4411166"/>
+            <a:off x="4643174" y="3649166"/>
             <a:ext cx="653738" cy="941332"/>
             <a:chOff x="5843706" y="822171"/>
             <a:chExt cx="653738" cy="941332"/>
@@ -3844,7 +3844,7 @@
         </p:nvCxnSpPr>
         <p:spPr>
           <a:xfrm>
-            <a:off x="1855657" y="3251142"/>
+            <a:off x="2084257" y="2489142"/>
             <a:ext cx="753768" cy="3797"/>
           </a:xfrm>
           <a:prstGeom prst="straightConnector1">
@@ -3883,7 +3883,7 @@
         </p:nvCxnSpPr>
         <p:spPr>
           <a:xfrm flipV="1">
-            <a:off x="3017520" y="3247345"/>
+            <a:off x="3246120" y="2485345"/>
             <a:ext cx="549720" cy="7594"/>
           </a:xfrm>
           <a:prstGeom prst="straightConnector1">
@@ -3922,7 +3922,7 @@
         </p:nvCxnSpPr>
         <p:spPr>
           <a:xfrm>
-            <a:off x="3975336" y="3247345"/>
+            <a:off x="4203936" y="2485345"/>
             <a:ext cx="570890" cy="7594"/>
           </a:xfrm>
           <a:prstGeom prst="straightConnector1">
@@ -3961,7 +3961,7 @@
         </p:nvCxnSpPr>
         <p:spPr>
           <a:xfrm flipV="1">
-            <a:off x="5068312" y="5006578"/>
+            <a:off x="5296912" y="4244578"/>
             <a:ext cx="544780" cy="19051"/>
           </a:xfrm>
           <a:prstGeom prst="straightConnector1">
@@ -4000,7 +4000,7 @@
         </p:nvCxnSpPr>
         <p:spPr>
           <a:xfrm>
-            <a:off x="6116875" y="5006578"/>
+            <a:off x="6345475" y="4244578"/>
             <a:ext cx="504043" cy="1"/>
           </a:xfrm>
           <a:prstGeom prst="straightConnector1">
@@ -4039,7 +4039,7 @@
         </p:nvCxnSpPr>
         <p:spPr>
           <a:xfrm flipV="1">
-            <a:off x="4741444" y="3499796"/>
+            <a:off x="4970044" y="2737796"/>
             <a:ext cx="8830" cy="911370"/>
           </a:xfrm>
           <a:prstGeom prst="straightConnector1">
@@ -4068,6 +4068,437 @@
           </a:fontRef>
         </p:style>
       </p:cxnSp>
+      <p:pic>
+        <p:nvPicPr>
+          <p:cNvPr id="55" name="Picture 15" descr="Users.png"/>
+          <p:cNvPicPr>
+            <a:picLocks noChangeAspect="1"/>
+          </p:cNvPicPr>
+          <p:nvPr/>
+        </p:nvPicPr>
+        <p:blipFill>
+          <a:blip r:embed="rId9">
+            <a:extLst>
+              <a:ext uri="{28A0092B-C50C-407E-A947-70E740481C1C}">
+                <a14:useLocalDpi xmlns:a14="http://schemas.microsoft.com/office/drawing/2010/main" val="0"/>
+              </a:ext>
+            </a:extLst>
+          </a:blip>
+          <a:stretch>
+            <a:fillRect/>
+          </a:stretch>
+        </p:blipFill>
+        <p:spPr>
+          <a:xfrm>
+            <a:off x="8066203" y="3878818"/>
+            <a:ext cx="731520" cy="731520"/>
+          </a:xfrm>
+          <a:prstGeom prst="rect">
+            <a:avLst/>
+          </a:prstGeom>
+        </p:spPr>
+      </p:pic>
+      <p:sp>
+        <p:nvSpPr>
+          <p:cNvPr id="56" name="TextBox 20"/>
+          <p:cNvSpPr txBox="1"/>
+          <p:nvPr/>
+        </p:nvSpPr>
+        <p:spPr>
+          <a:xfrm>
+            <a:off x="8198834" y="4636807"/>
+            <a:ext cx="471738" cy="153888"/>
+          </a:xfrm>
+          <a:prstGeom prst="rect">
+            <a:avLst/>
+          </a:prstGeom>
+          <a:noFill/>
+        </p:spPr>
+        <p:txBody>
+          <a:bodyPr wrap="square" lIns="0" tIns="0" rIns="0" bIns="0" rtlCol="0">
+            <a:spAutoFit/>
+          </a:bodyPr>
+          <a:lstStyle/>
+          <a:p>
+            <a:pPr algn="ctr"/>
+            <a:r>
+              <a:rPr lang="en-US" sz="1000" dirty="0" smtClean="0">
+                <a:latin typeface="Helvetica Neue"/>
+                <a:cs typeface="Helvetica Neue"/>
+              </a:rPr>
+              <a:t>users</a:t>
+            </a:r>
+            <a:endParaRPr lang="en-US" sz="1000" dirty="0">
+              <a:latin typeface="Helvetica Neue"/>
+              <a:cs typeface="Helvetica Neue"/>
+            </a:endParaRPr>
+          </a:p>
+        </p:txBody>
+      </p:sp>
+      <p:cxnSp>
+        <p:nvCxnSpPr>
+          <p:cNvPr id="58" name="Gerade Verbindung mit Pfeil 57"/>
+          <p:cNvCxnSpPr>
+            <a:stCxn id="15" idx="3"/>
+            <a:endCxn id="55" idx="1"/>
+          </p:cNvCxnSpPr>
+          <p:nvPr/>
+        </p:nvCxnSpPr>
+        <p:spPr>
+          <a:xfrm flipV="1">
+            <a:off x="7394298" y="4244578"/>
+            <a:ext cx="671905" cy="1"/>
+          </a:xfrm>
+          <a:prstGeom prst="straightConnector1">
+            <a:avLst/>
+          </a:prstGeom>
+          <a:ln>
+            <a:solidFill>
+              <a:schemeClr val="tx1"/>
+            </a:solidFill>
+            <a:headEnd type="triangle"/>
+            <a:tailEnd type="triangle"/>
+          </a:ln>
+        </p:spPr>
+        <p:style>
+          <a:lnRef idx="1">
+            <a:schemeClr val="accent1"/>
+          </a:lnRef>
+          <a:fillRef idx="0">
+            <a:schemeClr val="accent1"/>
+          </a:fillRef>
+          <a:effectRef idx="0">
+            <a:schemeClr val="accent1"/>
+          </a:effectRef>
+          <a:fontRef idx="minor">
+            <a:schemeClr val="tx1"/>
+          </a:fontRef>
+        </p:style>
+      </p:cxnSp>
+      <p:pic>
+        <p:nvPicPr>
+          <p:cNvPr id="61" name="Picture 14" descr="User.png"/>
+          <p:cNvPicPr>
+            <a:picLocks noChangeAspect="1"/>
+          </p:cNvPicPr>
+          <p:nvPr/>
+        </p:nvPicPr>
+        <p:blipFill>
+          <a:blip r:embed="rId10">
+            <a:extLst>
+              <a:ext uri="{28A0092B-C50C-407E-A947-70E740481C1C}">
+                <a14:useLocalDpi xmlns:a14="http://schemas.microsoft.com/office/drawing/2010/main" val="0"/>
+              </a:ext>
+            </a:extLst>
+          </a:blip>
+          <a:stretch>
+            <a:fillRect/>
+          </a:stretch>
+        </p:blipFill>
+        <p:spPr>
+          <a:xfrm>
+            <a:off x="326879" y="2127179"/>
+            <a:ext cx="731520" cy="731520"/>
+          </a:xfrm>
+          <a:prstGeom prst="rect">
+            <a:avLst/>
+          </a:prstGeom>
+        </p:spPr>
+      </p:pic>
+      <p:sp>
+        <p:nvSpPr>
+          <p:cNvPr id="62" name="TextBox 19"/>
+          <p:cNvSpPr txBox="1"/>
+          <p:nvPr/>
+        </p:nvSpPr>
+        <p:spPr>
+          <a:xfrm>
+            <a:off x="451676" y="2885168"/>
+            <a:ext cx="483456" cy="307777"/>
+          </a:xfrm>
+          <a:prstGeom prst="rect">
+            <a:avLst/>
+          </a:prstGeom>
+          <a:noFill/>
+        </p:spPr>
+        <p:txBody>
+          <a:bodyPr wrap="square" lIns="0" tIns="0" rIns="0" bIns="0" rtlCol="0">
+            <a:spAutoFit/>
+          </a:bodyPr>
+          <a:lstStyle/>
+          <a:p>
+            <a:pPr algn="ctr"/>
+            <a:r>
+              <a:rPr lang="en-US" sz="1000" dirty="0" smtClean="0">
+                <a:latin typeface="Helvetica Neue"/>
+                <a:cs typeface="Helvetica Neue"/>
+              </a:rPr>
+              <a:t>story</a:t>
+            </a:r>
+          </a:p>
+          <a:p>
+            <a:pPr algn="ctr"/>
+            <a:r>
+              <a:rPr lang="en-US" sz="1000" dirty="0" smtClean="0">
+                <a:latin typeface="Helvetica Neue"/>
+                <a:cs typeface="Helvetica Neue"/>
+              </a:rPr>
+              <a:t>creator</a:t>
+            </a:r>
+            <a:endParaRPr lang="en-US" sz="1000" dirty="0">
+              <a:latin typeface="Helvetica Neue"/>
+              <a:cs typeface="Helvetica Neue"/>
+            </a:endParaRPr>
+          </a:p>
+        </p:txBody>
+      </p:sp>
+      <p:cxnSp>
+        <p:nvCxnSpPr>
+          <p:cNvPr id="64" name="Gerade Verbindung mit Pfeil 63"/>
+          <p:cNvCxnSpPr>
+            <a:stCxn id="61" idx="3"/>
+            <a:endCxn id="6" idx="1"/>
+          </p:cNvCxnSpPr>
+          <p:nvPr/>
+        </p:nvCxnSpPr>
+        <p:spPr>
+          <a:xfrm flipV="1">
+            <a:off x="1058399" y="2489142"/>
+            <a:ext cx="528549" cy="3797"/>
+          </a:xfrm>
+          <a:prstGeom prst="straightConnector1">
+            <a:avLst/>
+          </a:prstGeom>
+          <a:ln>
+            <a:solidFill>
+              <a:schemeClr val="tx1"/>
+            </a:solidFill>
+            <a:tailEnd type="triangle"/>
+          </a:ln>
+        </p:spPr>
+        <p:style>
+          <a:lnRef idx="1">
+            <a:schemeClr val="accent1"/>
+          </a:lnRef>
+          <a:fillRef idx="0">
+            <a:schemeClr val="accent1"/>
+          </a:fillRef>
+          <a:effectRef idx="0">
+            <a:schemeClr val="accent1"/>
+          </a:effectRef>
+          <a:fontRef idx="minor">
+            <a:schemeClr val="tx1"/>
+          </a:fontRef>
+        </p:style>
+      </p:cxnSp>
+      <p:sp>
+        <p:nvSpPr>
+          <p:cNvPr id="66" name="Geschweifte Klammer rechts 65"/>
+          <p:cNvSpPr/>
+          <p:nvPr/>
+        </p:nvSpPr>
+        <p:spPr>
+          <a:xfrm rot="16200000">
+            <a:off x="3792712" y="-266913"/>
+            <a:ext cx="320506" cy="3108920"/>
+          </a:xfrm>
+          <a:prstGeom prst="rightBrace">
+            <a:avLst/>
+          </a:prstGeom>
+          <a:ln w="12700">
+            <a:solidFill>
+              <a:srgbClr val="759C3E"/>
+            </a:solidFill>
+          </a:ln>
+        </p:spPr>
+        <p:style>
+          <a:lnRef idx="1">
+            <a:schemeClr val="accent1"/>
+          </a:lnRef>
+          <a:fillRef idx="0">
+            <a:schemeClr val="accent1"/>
+          </a:fillRef>
+          <a:effectRef idx="0">
+            <a:schemeClr val="accent1"/>
+          </a:effectRef>
+          <a:fontRef idx="minor">
+            <a:schemeClr val="tx1"/>
+          </a:fontRef>
+        </p:style>
+        <p:txBody>
+          <a:bodyPr rtlCol="0" anchor="ctr"/>
+          <a:lstStyle/>
+          <a:p>
+            <a:pPr algn="ctr"/>
+            <a:endParaRPr lang="de-DE"/>
+          </a:p>
+        </p:txBody>
+      </p:sp>
+      <p:sp>
+        <p:nvSpPr>
+          <p:cNvPr id="67" name="TextBox 3"/>
+          <p:cNvSpPr txBox="1"/>
+          <p:nvPr/>
+        </p:nvSpPr>
+        <p:spPr>
+          <a:xfrm>
+            <a:off x="3354859" y="165433"/>
+            <a:ext cx="1214494" cy="155448"/>
+          </a:xfrm>
+          <a:prstGeom prst="rect">
+            <a:avLst/>
+          </a:prstGeom>
+          <a:noFill/>
+        </p:spPr>
+        <p:txBody>
+          <a:bodyPr wrap="square" lIns="0" tIns="0" rIns="0" bIns="0" rtlCol="0" anchor="t">
+            <a:noAutofit/>
+          </a:bodyPr>
+          <a:lstStyle/>
+          <a:p>
+            <a:pPr algn="ctr"/>
+            <a:r>
+              <a:rPr lang="en-US" sz="1000" b="1" dirty="0" err="1" smtClean="0"/>
+              <a:t>CloudFormation</a:t>
+            </a:r>
+            <a:endParaRPr lang="en-US" b="1" dirty="0"/>
+          </a:p>
+        </p:txBody>
+      </p:sp>
+      <p:pic>
+        <p:nvPicPr>
+          <p:cNvPr id="68" name="Picture 9"/>
+          <p:cNvPicPr>
+            <a:picLocks noChangeAspect="1"/>
+          </p:cNvPicPr>
+          <p:nvPr/>
+        </p:nvPicPr>
+        <p:blipFill>
+          <a:blip r:embed="rId11">
+            <a:extLst>
+              <a:ext uri="{28A0092B-C50C-407E-A947-70E740481C1C}">
+                <a14:useLocalDpi xmlns:a14="http://schemas.microsoft.com/office/drawing/2010/main" val="0"/>
+              </a:ext>
+            </a:extLst>
+          </a:blip>
+          <a:stretch>
+            <a:fillRect/>
+          </a:stretch>
+        </p:blipFill>
+        <p:spPr>
+          <a:xfrm>
+            <a:off x="3697499" y="405216"/>
+            <a:ext cx="529215" cy="635058"/>
+          </a:xfrm>
+          <a:prstGeom prst="rect">
+            <a:avLst/>
+          </a:prstGeom>
+        </p:spPr>
+      </p:pic>
+      <p:sp>
+        <p:nvSpPr>
+          <p:cNvPr id="69" name="Geschweifte Klammer rechts 68"/>
+          <p:cNvSpPr/>
+          <p:nvPr/>
+        </p:nvSpPr>
+        <p:spPr>
+          <a:xfrm rot="5400000">
+            <a:off x="6567764" y="4322133"/>
+            <a:ext cx="320506" cy="2190368"/>
+          </a:xfrm>
+          <a:prstGeom prst="rightBrace">
+            <a:avLst/>
+          </a:prstGeom>
+          <a:ln w="12700">
+            <a:solidFill>
+              <a:srgbClr val="759C3E"/>
+            </a:solidFill>
+          </a:ln>
+        </p:spPr>
+        <p:style>
+          <a:lnRef idx="1">
+            <a:schemeClr val="accent1"/>
+          </a:lnRef>
+          <a:fillRef idx="0">
+            <a:schemeClr val="accent1"/>
+          </a:fillRef>
+          <a:effectRef idx="0">
+            <a:schemeClr val="accent1"/>
+          </a:effectRef>
+          <a:fontRef idx="minor">
+            <a:schemeClr val="tx1"/>
+          </a:fontRef>
+        </p:style>
+        <p:txBody>
+          <a:bodyPr rtlCol="0" anchor="ctr"/>
+          <a:lstStyle/>
+          <a:p>
+            <a:pPr algn="ctr"/>
+            <a:endParaRPr lang="de-DE"/>
+          </a:p>
+        </p:txBody>
+      </p:sp>
+      <p:pic>
+        <p:nvPicPr>
+          <p:cNvPr id="70" name="Picture 9"/>
+          <p:cNvPicPr>
+            <a:picLocks noChangeAspect="1"/>
+          </p:cNvPicPr>
+          <p:nvPr/>
+        </p:nvPicPr>
+        <p:blipFill>
+          <a:blip r:embed="rId11">
+            <a:extLst>
+              <a:ext uri="{28A0092B-C50C-407E-A947-70E740481C1C}">
+                <a14:useLocalDpi xmlns:a14="http://schemas.microsoft.com/office/drawing/2010/main" val="0"/>
+              </a:ext>
+            </a:extLst>
+          </a:blip>
+          <a:stretch>
+            <a:fillRect/>
+          </a:stretch>
+        </p:blipFill>
+        <p:spPr>
+          <a:xfrm>
+            <a:off x="6463409" y="5627312"/>
+            <a:ext cx="529215" cy="635058"/>
+          </a:xfrm>
+          <a:prstGeom prst="rect">
+            <a:avLst/>
+          </a:prstGeom>
+        </p:spPr>
+      </p:pic>
+      <p:sp>
+        <p:nvSpPr>
+          <p:cNvPr id="71" name="TextBox 3"/>
+          <p:cNvSpPr txBox="1"/>
+          <p:nvPr/>
+        </p:nvSpPr>
+        <p:spPr>
+          <a:xfrm>
+            <a:off x="6120769" y="6314919"/>
+            <a:ext cx="1214494" cy="155448"/>
+          </a:xfrm>
+          <a:prstGeom prst="rect">
+            <a:avLst/>
+          </a:prstGeom>
+          <a:noFill/>
+        </p:spPr>
+        <p:txBody>
+          <a:bodyPr wrap="square" lIns="0" tIns="0" rIns="0" bIns="0" rtlCol="0" anchor="t">
+            <a:noAutofit/>
+          </a:bodyPr>
+          <a:lstStyle/>
+          <a:p>
+            <a:pPr algn="ctr"/>
+            <a:r>
+              <a:rPr lang="en-US" sz="1000" b="1" dirty="0" err="1" smtClean="0"/>
+              <a:t>CloudFormation</a:t>
+            </a:r>
+            <a:endParaRPr lang="en-US" b="1" dirty="0"/>
+          </a:p>
+        </p:txBody>
+      </p:sp>
     </p:spTree>
     <p:extLst>
       <p:ext uri="{BB962C8B-B14F-4D97-AF65-F5344CB8AC3E}">
